--- a/Documents/ImgCatalog.pptx
+++ b/Documents/ImgCatalog.pptx
@@ -27,8 +27,8 @@
     <p:sldId id="268" r:id="rId18"/>
     <p:sldId id="286" r:id="rId19"/>
     <p:sldId id="287" r:id="rId20"/>
-    <p:sldId id="274" r:id="rId21"/>
-    <p:sldId id="273" r:id="rId22"/>
+    <p:sldId id="273" r:id="rId21"/>
+    <p:sldId id="274" r:id="rId22"/>
     <p:sldId id="264" r:id="rId23"/>
     <p:sldId id="265" r:id="rId24"/>
   </p:sldIdLst>
@@ -219,7 +219,7 @@
           <a:p>
             <a:fld id="{82155980-0A08-465C-A79C-E86D134FAF9A}" type="datetimeFigureOut">
               <a:rPr lang="it-IT" smtClean="0"/>
-              <a:t>19/08/2021</a:t>
+              <a:t>01/09/2021</a:t>
             </a:fld>
             <a:endParaRPr lang="it-IT"/>
           </a:p>
@@ -1262,7 +1262,7 @@
           <a:p>
             <a:fld id="{9095D452-AC6C-4F76-AAC2-D7F0BCF6D03B}" type="datetimeFigureOut">
               <a:rPr lang="it-IT" smtClean="0"/>
-              <a:t>19/08/2021</a:t>
+              <a:t>01/09/2021</a:t>
             </a:fld>
             <a:endParaRPr lang="it-IT"/>
           </a:p>
@@ -1460,7 +1460,7 @@
           <a:p>
             <a:fld id="{9095D452-AC6C-4F76-AAC2-D7F0BCF6D03B}" type="datetimeFigureOut">
               <a:rPr lang="it-IT" smtClean="0"/>
-              <a:t>19/08/2021</a:t>
+              <a:t>01/09/2021</a:t>
             </a:fld>
             <a:endParaRPr lang="it-IT"/>
           </a:p>
@@ -1668,7 +1668,7 @@
           <a:p>
             <a:fld id="{9095D452-AC6C-4F76-AAC2-D7F0BCF6D03B}" type="datetimeFigureOut">
               <a:rPr lang="it-IT" smtClean="0"/>
-              <a:t>19/08/2021</a:t>
+              <a:t>01/09/2021</a:t>
             </a:fld>
             <a:endParaRPr lang="it-IT"/>
           </a:p>
@@ -1872,7 +1872,7 @@
           <a:p>
             <a:fld id="{4CAA9714-E498-4BB1-946F-9B4AA3A4C648}" type="datetimeFigureOut">
               <a:rPr lang="en-GB" smtClean="0"/>
-              <a:t>19/08/2021</a:t>
+              <a:t>01/09/2021</a:t>
             </a:fld>
             <a:endParaRPr lang="en-GB"/>
           </a:p>
@@ -2042,7 +2042,7 @@
           <a:p>
             <a:fld id="{4CAA9714-E498-4BB1-946F-9B4AA3A4C648}" type="datetimeFigureOut">
               <a:rPr lang="en-GB" smtClean="0"/>
-              <a:t>19/08/2021</a:t>
+              <a:t>01/09/2021</a:t>
             </a:fld>
             <a:endParaRPr lang="en-GB"/>
           </a:p>
@@ -2286,7 +2286,7 @@
           <a:p>
             <a:fld id="{4CAA9714-E498-4BB1-946F-9B4AA3A4C648}" type="datetimeFigureOut">
               <a:rPr lang="en-GB" smtClean="0"/>
-              <a:t>19/08/2021</a:t>
+              <a:t>01/09/2021</a:t>
             </a:fld>
             <a:endParaRPr lang="en-GB"/>
           </a:p>
@@ -2518,7 +2518,7 @@
           <a:p>
             <a:fld id="{4CAA9714-E498-4BB1-946F-9B4AA3A4C648}" type="datetimeFigureOut">
               <a:rPr lang="en-GB" smtClean="0"/>
-              <a:t>19/08/2021</a:t>
+              <a:t>01/09/2021</a:t>
             </a:fld>
             <a:endParaRPr lang="en-GB"/>
           </a:p>
@@ -2885,7 +2885,7 @@
           <a:p>
             <a:fld id="{4CAA9714-E498-4BB1-946F-9B4AA3A4C648}" type="datetimeFigureOut">
               <a:rPr lang="en-GB" smtClean="0"/>
-              <a:t>19/08/2021</a:t>
+              <a:t>01/09/2021</a:t>
             </a:fld>
             <a:endParaRPr lang="en-GB"/>
           </a:p>
@@ -3003,7 +3003,7 @@
           <a:p>
             <a:fld id="{4CAA9714-E498-4BB1-946F-9B4AA3A4C648}" type="datetimeFigureOut">
               <a:rPr lang="en-GB" smtClean="0"/>
-              <a:t>19/08/2021</a:t>
+              <a:t>01/09/2021</a:t>
             </a:fld>
             <a:endParaRPr lang="en-GB"/>
           </a:p>
@@ -3098,7 +3098,7 @@
           <a:p>
             <a:fld id="{4CAA9714-E498-4BB1-946F-9B4AA3A4C648}" type="datetimeFigureOut">
               <a:rPr lang="en-GB" smtClean="0"/>
-              <a:t>19/08/2021</a:t>
+              <a:t>01/09/2021</a:t>
             </a:fld>
             <a:endParaRPr lang="en-GB"/>
           </a:p>
@@ -3375,7 +3375,7 @@
           <a:p>
             <a:fld id="{4CAA9714-E498-4BB1-946F-9B4AA3A4C648}" type="datetimeFigureOut">
               <a:rPr lang="en-GB" smtClean="0"/>
-              <a:t>19/08/2021</a:t>
+              <a:t>01/09/2021</a:t>
             </a:fld>
             <a:endParaRPr lang="en-GB"/>
           </a:p>
@@ -3561,7 +3561,7 @@
           <a:p>
             <a:fld id="{9095D452-AC6C-4F76-AAC2-D7F0BCF6D03B}" type="datetimeFigureOut">
               <a:rPr lang="it-IT" smtClean="0"/>
-              <a:t>19/08/2021</a:t>
+              <a:t>01/09/2021</a:t>
             </a:fld>
             <a:endParaRPr lang="it-IT"/>
           </a:p>
@@ -3830,7 +3830,7 @@
           <a:p>
             <a:fld id="{4CAA9714-E498-4BB1-946F-9B4AA3A4C648}" type="datetimeFigureOut">
               <a:rPr lang="en-GB" smtClean="0"/>
-              <a:t>19/08/2021</a:t>
+              <a:t>01/09/2021</a:t>
             </a:fld>
             <a:endParaRPr lang="en-GB"/>
           </a:p>
@@ -4000,7 +4000,7 @@
           <a:p>
             <a:fld id="{4CAA9714-E498-4BB1-946F-9B4AA3A4C648}" type="datetimeFigureOut">
               <a:rPr lang="en-GB" smtClean="0"/>
-              <a:t>19/08/2021</a:t>
+              <a:t>01/09/2021</a:t>
             </a:fld>
             <a:endParaRPr lang="en-GB"/>
           </a:p>
@@ -4180,7 +4180,7 @@
           <a:p>
             <a:fld id="{4CAA9714-E498-4BB1-946F-9B4AA3A4C648}" type="datetimeFigureOut">
               <a:rPr lang="en-GB" smtClean="0"/>
-              <a:t>19/08/2021</a:t>
+              <a:t>01/09/2021</a:t>
             </a:fld>
             <a:endParaRPr lang="en-GB"/>
           </a:p>
@@ -9559,7 +9559,7 @@
           <a:p>
             <a:fld id="{9095D452-AC6C-4F76-AAC2-D7F0BCF6D03B}" type="datetimeFigureOut">
               <a:rPr lang="it-IT" smtClean="0"/>
-              <a:t>19/08/2021</a:t>
+              <a:t>01/09/2021</a:t>
             </a:fld>
             <a:endParaRPr lang="it-IT"/>
           </a:p>
@@ -13003,7 +13003,7 @@
           <a:p>
             <a:fld id="{9095D452-AC6C-4F76-AAC2-D7F0BCF6D03B}" type="datetimeFigureOut">
               <a:rPr lang="it-IT" smtClean="0"/>
-              <a:t>19/08/2021</a:t>
+              <a:t>01/09/2021</a:t>
             </a:fld>
             <a:endParaRPr lang="it-IT"/>
           </a:p>
@@ -13415,7 +13415,7 @@
           <a:p>
             <a:fld id="{9095D452-AC6C-4F76-AAC2-D7F0BCF6D03B}" type="datetimeFigureOut">
               <a:rPr lang="it-IT" smtClean="0"/>
-              <a:t>19/08/2021</a:t>
+              <a:t>01/09/2021</a:t>
             </a:fld>
             <a:endParaRPr lang="it-IT"/>
           </a:p>
@@ -13556,7 +13556,7 @@
           <a:p>
             <a:fld id="{9095D452-AC6C-4F76-AAC2-D7F0BCF6D03B}" type="datetimeFigureOut">
               <a:rPr lang="it-IT" smtClean="0"/>
-              <a:t>19/08/2021</a:t>
+              <a:t>01/09/2021</a:t>
             </a:fld>
             <a:endParaRPr lang="it-IT"/>
           </a:p>
@@ -13669,7 +13669,7 @@
           <a:p>
             <a:fld id="{9095D452-AC6C-4F76-AAC2-D7F0BCF6D03B}" type="datetimeFigureOut">
               <a:rPr lang="it-IT" smtClean="0"/>
-              <a:t>19/08/2021</a:t>
+              <a:t>01/09/2021</a:t>
             </a:fld>
             <a:endParaRPr lang="it-IT"/>
           </a:p>
@@ -13980,7 +13980,7 @@
           <a:p>
             <a:fld id="{9095D452-AC6C-4F76-AAC2-D7F0BCF6D03B}" type="datetimeFigureOut">
               <a:rPr lang="it-IT" smtClean="0"/>
-              <a:t>19/08/2021</a:t>
+              <a:t>01/09/2021</a:t>
             </a:fld>
             <a:endParaRPr lang="it-IT"/>
           </a:p>
@@ -14268,7 +14268,7 @@
           <a:p>
             <a:fld id="{9095D452-AC6C-4F76-AAC2-D7F0BCF6D03B}" type="datetimeFigureOut">
               <a:rPr lang="it-IT" smtClean="0"/>
-              <a:t>19/08/2021</a:t>
+              <a:t>01/09/2021</a:t>
             </a:fld>
             <a:endParaRPr lang="it-IT"/>
           </a:p>
@@ -14509,7 +14509,7 @@
           <a:p>
             <a:fld id="{9095D452-AC6C-4F76-AAC2-D7F0BCF6D03B}" type="datetimeFigureOut">
               <a:rPr lang="it-IT" smtClean="0"/>
-              <a:t>19/08/2021</a:t>
+              <a:t>01/09/2021</a:t>
             </a:fld>
             <a:endParaRPr lang="it-IT"/>
           </a:p>
@@ -15061,7 +15061,7 @@
           <a:p>
             <a:fld id="{4CAA9714-E498-4BB1-946F-9B4AA3A4C648}" type="datetimeFigureOut">
               <a:rPr lang="en-GB" smtClean="0"/>
-              <a:t>19/08/2021</a:t>
+              <a:t>01/09/2021</a:t>
             </a:fld>
             <a:endParaRPr lang="en-GB"/>
           </a:p>
@@ -17193,7 +17193,7 @@
         </p:nvSpPr>
         <p:spPr>
           <a:xfrm>
-            <a:off x="673768" y="1041400"/>
+            <a:off x="746503" y="1467428"/>
             <a:ext cx="10844463" cy="2387600"/>
           </a:xfrm>
         </p:spPr>
@@ -17203,7 +17203,14 @@
           <a:p>
             <a:r>
               <a:rPr lang="it-IT" dirty="0"/>
-              <a:t>Tecnologie Informatiche per il Web </a:t>
+              <a:t>Tecnologie Informatiche per il Web</a:t>
+            </a:r>
+            <a:br>
+              <a:rPr lang="it-IT" dirty="0"/>
+            </a:br>
+            <a:r>
+              <a:rPr lang="it-IT" dirty="0"/>
+              <a:t> </a:t>
             </a:r>
             <a:r>
               <a:rPr lang="it-IT" sz="3200" dirty="0"/>
@@ -17230,7 +17237,7 @@
         </p:nvSpPr>
         <p:spPr>
           <a:xfrm>
-            <a:off x="1523999" y="3922880"/>
+            <a:off x="1596734" y="4347874"/>
             <a:ext cx="9144000" cy="1655762"/>
           </a:xfrm>
         </p:spPr>
@@ -17246,12 +17253,17 @@
             </a:r>
           </a:p>
           <a:p>
-            <a:endParaRPr lang="it-IT" dirty="0"/>
+            <a:pPr>
+              <a:lnSpc>
+                <a:spcPct val="100000"/>
+              </a:lnSpc>
+            </a:pPr>
+            <a:endParaRPr lang="it-IT" sz="800" dirty="0"/>
           </a:p>
           <a:p>
             <a:r>
               <a:rPr lang="it-IT" dirty="0"/>
-              <a:t>Studenti: Linda Zhu, Zheng Maria Yu</a:t>
+              <a:t>Studente: Zheng Maria Yu</a:t>
             </a:r>
           </a:p>
         </p:txBody>
@@ -25265,6 +25277,86 @@
   <p:cSld>
     <p:spTree>
       <p:nvGrpSpPr>
+        <p:cNvPr id="1" name=""/>
+        <p:cNvGrpSpPr/>
+        <p:nvPr/>
+      </p:nvGrpSpPr>
+      <p:grpSpPr>
+        <a:xfrm>
+          <a:off x="0" y="0"/>
+          <a:ext cx="0" cy="0"/>
+          <a:chOff x="0" y="0"/>
+          <a:chExt cx="0" cy="0"/>
+        </a:xfrm>
+      </p:grpSpPr>
+      <p:sp>
+        <p:nvSpPr>
+          <p:cNvPr id="2" name="Titolo 1">
+            <a:extLst>
+              <a:ext uri="{FF2B5EF4-FFF2-40B4-BE49-F238E27FC236}">
+                <a16:creationId xmlns:a16="http://schemas.microsoft.com/office/drawing/2014/main" id="{CD2CE0BB-F6DD-4574-BB88-561207774C5E}"/>
+              </a:ext>
+            </a:extLst>
+          </p:cNvPr>
+          <p:cNvSpPr>
+            <a:spLocks noGrp="1"/>
+          </p:cNvSpPr>
+          <p:nvPr>
+            <p:ph type="title"/>
+          </p:nvPr>
+        </p:nvSpPr>
+        <p:spPr/>
+        <p:txBody>
+          <a:bodyPr/>
+          <a:lstStyle/>
+          <a:p>
+            <a:endParaRPr lang="it-IT"/>
+          </a:p>
+        </p:txBody>
+      </p:sp>
+      <p:sp>
+        <p:nvSpPr>
+          <p:cNvPr id="3" name="Segnaposto contenuto 2">
+            <a:extLst>
+              <a:ext uri="{FF2B5EF4-FFF2-40B4-BE49-F238E27FC236}">
+                <a16:creationId xmlns:a16="http://schemas.microsoft.com/office/drawing/2014/main" id="{55C3A902-B31D-4941-A768-9FA4BA21BF57}"/>
+              </a:ext>
+            </a:extLst>
+          </p:cNvPr>
+          <p:cNvSpPr>
+            <a:spLocks noGrp="1"/>
+          </p:cNvSpPr>
+          <p:nvPr>
+            <p:ph idx="1"/>
+          </p:nvPr>
+        </p:nvSpPr>
+        <p:spPr/>
+        <p:txBody>
+          <a:bodyPr/>
+          <a:lstStyle/>
+          <a:p>
+            <a:endParaRPr lang="it-IT"/>
+          </a:p>
+        </p:txBody>
+      </p:sp>
+    </p:spTree>
+    <p:extLst>
+      <p:ext uri="{BB962C8B-B14F-4D97-AF65-F5344CB8AC3E}">
+        <p14:creationId xmlns:p14="http://schemas.microsoft.com/office/powerpoint/2010/main" val="3585775788"/>
+      </p:ext>
+    </p:extLst>
+  </p:cSld>
+  <p:clrMapOvr>
+    <a:masterClrMapping/>
+  </p:clrMapOvr>
+</p:sld>
+</file>
+
+<file path=ppt/slides/slide19.xml><?xml version="1.0" encoding="utf-8"?>
+<p:sld xmlns:a="http://schemas.openxmlformats.org/drawingml/2006/main" xmlns:r="http://schemas.openxmlformats.org/officeDocument/2006/relationships" xmlns:p="http://schemas.openxmlformats.org/presentationml/2006/main">
+  <p:cSld>
+    <p:spTree>
+      <p:nvGrpSpPr>
         <p:cNvPr id="1" name="Shape 458"/>
         <p:cNvGrpSpPr/>
         <p:nvPr/>
@@ -26155,86 +26247,6 @@
         </p:txBody>
       </p:sp>
     </p:spTree>
-  </p:cSld>
-  <p:clrMapOvr>
-    <a:masterClrMapping/>
-  </p:clrMapOvr>
-</p:sld>
-</file>
-
-<file path=ppt/slides/slide19.xml><?xml version="1.0" encoding="utf-8"?>
-<p:sld xmlns:a="http://schemas.openxmlformats.org/drawingml/2006/main" xmlns:r="http://schemas.openxmlformats.org/officeDocument/2006/relationships" xmlns:p="http://schemas.openxmlformats.org/presentationml/2006/main">
-  <p:cSld>
-    <p:spTree>
-      <p:nvGrpSpPr>
-        <p:cNvPr id="1" name=""/>
-        <p:cNvGrpSpPr/>
-        <p:nvPr/>
-      </p:nvGrpSpPr>
-      <p:grpSpPr>
-        <a:xfrm>
-          <a:off x="0" y="0"/>
-          <a:ext cx="0" cy="0"/>
-          <a:chOff x="0" y="0"/>
-          <a:chExt cx="0" cy="0"/>
-        </a:xfrm>
-      </p:grpSpPr>
-      <p:sp>
-        <p:nvSpPr>
-          <p:cNvPr id="2" name="Titolo 1">
-            <a:extLst>
-              <a:ext uri="{FF2B5EF4-FFF2-40B4-BE49-F238E27FC236}">
-                <a16:creationId xmlns:a16="http://schemas.microsoft.com/office/drawing/2014/main" id="{CD2CE0BB-F6DD-4574-BB88-561207774C5E}"/>
-              </a:ext>
-            </a:extLst>
-          </p:cNvPr>
-          <p:cNvSpPr>
-            <a:spLocks noGrp="1"/>
-          </p:cNvSpPr>
-          <p:nvPr>
-            <p:ph type="title"/>
-          </p:nvPr>
-        </p:nvSpPr>
-        <p:spPr/>
-        <p:txBody>
-          <a:bodyPr/>
-          <a:lstStyle/>
-          <a:p>
-            <a:endParaRPr lang="it-IT"/>
-          </a:p>
-        </p:txBody>
-      </p:sp>
-      <p:sp>
-        <p:nvSpPr>
-          <p:cNvPr id="3" name="Segnaposto contenuto 2">
-            <a:extLst>
-              <a:ext uri="{FF2B5EF4-FFF2-40B4-BE49-F238E27FC236}">
-                <a16:creationId xmlns:a16="http://schemas.microsoft.com/office/drawing/2014/main" id="{55C3A902-B31D-4941-A768-9FA4BA21BF57}"/>
-              </a:ext>
-            </a:extLst>
-          </p:cNvPr>
-          <p:cNvSpPr>
-            <a:spLocks noGrp="1"/>
-          </p:cNvSpPr>
-          <p:nvPr>
-            <p:ph idx="1"/>
-          </p:nvPr>
-        </p:nvSpPr>
-        <p:spPr/>
-        <p:txBody>
-          <a:bodyPr/>
-          <a:lstStyle/>
-          <a:p>
-            <a:endParaRPr lang="it-IT"/>
-          </a:p>
-        </p:txBody>
-      </p:sp>
-    </p:spTree>
-    <p:extLst>
-      <p:ext uri="{BB962C8B-B14F-4D97-AF65-F5344CB8AC3E}">
-        <p14:creationId xmlns:p14="http://schemas.microsoft.com/office/powerpoint/2010/main" val="3585775788"/>
-      </p:ext>
-    </p:extLst>
   </p:cSld>
   <p:clrMapOvr>
     <a:masterClrMapping/>
@@ -26277,7 +26289,7 @@
         </p:nvSpPr>
         <p:spPr>
           <a:xfrm>
-            <a:off x="838200" y="99009"/>
+            <a:off x="609600" y="130182"/>
             <a:ext cx="10515600" cy="1325563"/>
           </a:xfrm>
         </p:spPr>
@@ -26310,8 +26322,8 @@
         </p:nvSpPr>
         <p:spPr>
           <a:xfrm>
-            <a:off x="838200" y="1235241"/>
-            <a:ext cx="10515600" cy="5213685"/>
+            <a:off x="609600" y="1266414"/>
+            <a:ext cx="10972800" cy="5213685"/>
           </a:xfrm>
         </p:spPr>
         <p:txBody>
@@ -26587,7 +26599,7 @@
         </p:nvSpPr>
         <p:spPr>
           <a:xfrm>
-            <a:off x="838200" y="-16769"/>
+            <a:off x="661554" y="0"/>
             <a:ext cx="10515600" cy="1325563"/>
           </a:xfrm>
         </p:spPr>
@@ -26598,7 +26610,7 @@
           <a:lstStyle/>
           <a:p>
             <a:r>
-              <a:rPr lang="it-IT" sz="4000" dirty="0"/>
+              <a:rPr lang="it-IT" dirty="0"/>
               <a:t>Analisi dei dati</a:t>
             </a:r>
           </a:p>
@@ -26622,8 +26634,8 @@
         </p:nvSpPr>
         <p:spPr>
           <a:xfrm>
-            <a:off x="838200" y="1090862"/>
-            <a:ext cx="10515600" cy="5213685"/>
+            <a:off x="661554" y="1090862"/>
+            <a:ext cx="10868892" cy="5213685"/>
           </a:xfrm>
         </p:spPr>
         <p:txBody>
@@ -26777,7 +26789,7 @@
         </p:nvSpPr>
         <p:spPr>
           <a:xfrm>
-            <a:off x="838200" y="6304547"/>
+            <a:off x="661554" y="6301812"/>
             <a:ext cx="2695610" cy="369332"/>
           </a:xfrm>
           <a:prstGeom prst="rect">

--- a/Documents/ImgCatalog.pptx
+++ b/Documents/ImgCatalog.pptx
@@ -218,7 +218,7 @@
           <a:p>
             <a:fld id="{82155980-0A08-465C-A79C-E86D134FAF9A}" type="datetimeFigureOut">
               <a:rPr lang="it-IT" smtClean="0"/>
-              <a:t>01/09/2021</a:t>
+              <a:t>02/09/2021</a:t>
             </a:fld>
             <a:endParaRPr lang="it-IT"/>
           </a:p>
@@ -1479,7 +1479,7 @@
           <a:p>
             <a:fld id="{9095D452-AC6C-4F76-AAC2-D7F0BCF6D03B}" type="datetimeFigureOut">
               <a:rPr lang="it-IT" smtClean="0"/>
-              <a:t>01/09/2021</a:t>
+              <a:t>02/09/2021</a:t>
             </a:fld>
             <a:endParaRPr lang="it-IT"/>
           </a:p>
@@ -1677,7 +1677,7 @@
           <a:p>
             <a:fld id="{9095D452-AC6C-4F76-AAC2-D7F0BCF6D03B}" type="datetimeFigureOut">
               <a:rPr lang="it-IT" smtClean="0"/>
-              <a:t>01/09/2021</a:t>
+              <a:t>02/09/2021</a:t>
             </a:fld>
             <a:endParaRPr lang="it-IT"/>
           </a:p>
@@ -1885,7 +1885,7 @@
           <a:p>
             <a:fld id="{9095D452-AC6C-4F76-AAC2-D7F0BCF6D03B}" type="datetimeFigureOut">
               <a:rPr lang="it-IT" smtClean="0"/>
-              <a:t>01/09/2021</a:t>
+              <a:t>02/09/2021</a:t>
             </a:fld>
             <a:endParaRPr lang="it-IT"/>
           </a:p>
@@ -2089,7 +2089,7 @@
           <a:p>
             <a:fld id="{4CAA9714-E498-4BB1-946F-9B4AA3A4C648}" type="datetimeFigureOut">
               <a:rPr lang="en-GB" smtClean="0"/>
-              <a:t>01/09/2021</a:t>
+              <a:t>02/09/2021</a:t>
             </a:fld>
             <a:endParaRPr lang="en-GB"/>
           </a:p>
@@ -2259,7 +2259,7 @@
           <a:p>
             <a:fld id="{4CAA9714-E498-4BB1-946F-9B4AA3A4C648}" type="datetimeFigureOut">
               <a:rPr lang="en-GB" smtClean="0"/>
-              <a:t>01/09/2021</a:t>
+              <a:t>02/09/2021</a:t>
             </a:fld>
             <a:endParaRPr lang="en-GB"/>
           </a:p>
@@ -2503,7 +2503,7 @@
           <a:p>
             <a:fld id="{4CAA9714-E498-4BB1-946F-9B4AA3A4C648}" type="datetimeFigureOut">
               <a:rPr lang="en-GB" smtClean="0"/>
-              <a:t>01/09/2021</a:t>
+              <a:t>02/09/2021</a:t>
             </a:fld>
             <a:endParaRPr lang="en-GB"/>
           </a:p>
@@ -2735,7 +2735,7 @@
           <a:p>
             <a:fld id="{4CAA9714-E498-4BB1-946F-9B4AA3A4C648}" type="datetimeFigureOut">
               <a:rPr lang="en-GB" smtClean="0"/>
-              <a:t>01/09/2021</a:t>
+              <a:t>02/09/2021</a:t>
             </a:fld>
             <a:endParaRPr lang="en-GB"/>
           </a:p>
@@ -3102,7 +3102,7 @@
           <a:p>
             <a:fld id="{4CAA9714-E498-4BB1-946F-9B4AA3A4C648}" type="datetimeFigureOut">
               <a:rPr lang="en-GB" smtClean="0"/>
-              <a:t>01/09/2021</a:t>
+              <a:t>02/09/2021</a:t>
             </a:fld>
             <a:endParaRPr lang="en-GB"/>
           </a:p>
@@ -3220,7 +3220,7 @@
           <a:p>
             <a:fld id="{4CAA9714-E498-4BB1-946F-9B4AA3A4C648}" type="datetimeFigureOut">
               <a:rPr lang="en-GB" smtClean="0"/>
-              <a:t>01/09/2021</a:t>
+              <a:t>02/09/2021</a:t>
             </a:fld>
             <a:endParaRPr lang="en-GB"/>
           </a:p>
@@ -3315,7 +3315,7 @@
           <a:p>
             <a:fld id="{4CAA9714-E498-4BB1-946F-9B4AA3A4C648}" type="datetimeFigureOut">
               <a:rPr lang="en-GB" smtClean="0"/>
-              <a:t>01/09/2021</a:t>
+              <a:t>02/09/2021</a:t>
             </a:fld>
             <a:endParaRPr lang="en-GB"/>
           </a:p>
@@ -3592,7 +3592,7 @@
           <a:p>
             <a:fld id="{4CAA9714-E498-4BB1-946F-9B4AA3A4C648}" type="datetimeFigureOut">
               <a:rPr lang="en-GB" smtClean="0"/>
-              <a:t>01/09/2021</a:t>
+              <a:t>02/09/2021</a:t>
             </a:fld>
             <a:endParaRPr lang="en-GB"/>
           </a:p>
@@ -3778,7 +3778,7 @@
           <a:p>
             <a:fld id="{9095D452-AC6C-4F76-AAC2-D7F0BCF6D03B}" type="datetimeFigureOut">
               <a:rPr lang="it-IT" smtClean="0"/>
-              <a:t>01/09/2021</a:t>
+              <a:t>02/09/2021</a:t>
             </a:fld>
             <a:endParaRPr lang="it-IT"/>
           </a:p>
@@ -4047,7 +4047,7 @@
           <a:p>
             <a:fld id="{4CAA9714-E498-4BB1-946F-9B4AA3A4C648}" type="datetimeFigureOut">
               <a:rPr lang="en-GB" smtClean="0"/>
-              <a:t>01/09/2021</a:t>
+              <a:t>02/09/2021</a:t>
             </a:fld>
             <a:endParaRPr lang="en-GB"/>
           </a:p>
@@ -4217,7 +4217,7 @@
           <a:p>
             <a:fld id="{4CAA9714-E498-4BB1-946F-9B4AA3A4C648}" type="datetimeFigureOut">
               <a:rPr lang="en-GB" smtClean="0"/>
-              <a:t>01/09/2021</a:t>
+              <a:t>02/09/2021</a:t>
             </a:fld>
             <a:endParaRPr lang="en-GB"/>
           </a:p>
@@ -4397,7 +4397,7 @@
           <a:p>
             <a:fld id="{4CAA9714-E498-4BB1-946F-9B4AA3A4C648}" type="datetimeFigureOut">
               <a:rPr lang="en-GB" smtClean="0"/>
-              <a:t>01/09/2021</a:t>
+              <a:t>02/09/2021</a:t>
             </a:fld>
             <a:endParaRPr lang="en-GB"/>
           </a:p>
@@ -9776,7 +9776,7 @@
           <a:p>
             <a:fld id="{9095D452-AC6C-4F76-AAC2-D7F0BCF6D03B}" type="datetimeFigureOut">
               <a:rPr lang="it-IT" smtClean="0"/>
-              <a:t>01/09/2021</a:t>
+              <a:t>02/09/2021</a:t>
             </a:fld>
             <a:endParaRPr lang="it-IT"/>
           </a:p>
@@ -13220,7 +13220,7 @@
           <a:p>
             <a:fld id="{9095D452-AC6C-4F76-AAC2-D7F0BCF6D03B}" type="datetimeFigureOut">
               <a:rPr lang="it-IT" smtClean="0"/>
-              <a:t>01/09/2021</a:t>
+              <a:t>02/09/2021</a:t>
             </a:fld>
             <a:endParaRPr lang="it-IT"/>
           </a:p>
@@ -13632,7 +13632,7 @@
           <a:p>
             <a:fld id="{9095D452-AC6C-4F76-AAC2-D7F0BCF6D03B}" type="datetimeFigureOut">
               <a:rPr lang="it-IT" smtClean="0"/>
-              <a:t>01/09/2021</a:t>
+              <a:t>02/09/2021</a:t>
             </a:fld>
             <a:endParaRPr lang="it-IT"/>
           </a:p>
@@ -13773,7 +13773,7 @@
           <a:p>
             <a:fld id="{9095D452-AC6C-4F76-AAC2-D7F0BCF6D03B}" type="datetimeFigureOut">
               <a:rPr lang="it-IT" smtClean="0"/>
-              <a:t>01/09/2021</a:t>
+              <a:t>02/09/2021</a:t>
             </a:fld>
             <a:endParaRPr lang="it-IT"/>
           </a:p>
@@ -13886,7 +13886,7 @@
           <a:p>
             <a:fld id="{9095D452-AC6C-4F76-AAC2-D7F0BCF6D03B}" type="datetimeFigureOut">
               <a:rPr lang="it-IT" smtClean="0"/>
-              <a:t>01/09/2021</a:t>
+              <a:t>02/09/2021</a:t>
             </a:fld>
             <a:endParaRPr lang="it-IT"/>
           </a:p>
@@ -14197,7 +14197,7 @@
           <a:p>
             <a:fld id="{9095D452-AC6C-4F76-AAC2-D7F0BCF6D03B}" type="datetimeFigureOut">
               <a:rPr lang="it-IT" smtClean="0"/>
-              <a:t>01/09/2021</a:t>
+              <a:t>02/09/2021</a:t>
             </a:fld>
             <a:endParaRPr lang="it-IT"/>
           </a:p>
@@ -14485,7 +14485,7 @@
           <a:p>
             <a:fld id="{9095D452-AC6C-4F76-AAC2-D7F0BCF6D03B}" type="datetimeFigureOut">
               <a:rPr lang="it-IT" smtClean="0"/>
-              <a:t>01/09/2021</a:t>
+              <a:t>02/09/2021</a:t>
             </a:fld>
             <a:endParaRPr lang="it-IT"/>
           </a:p>
@@ -14726,7 +14726,7 @@
           <a:p>
             <a:fld id="{9095D452-AC6C-4F76-AAC2-D7F0BCF6D03B}" type="datetimeFigureOut">
               <a:rPr lang="it-IT" smtClean="0"/>
-              <a:t>01/09/2021</a:t>
+              <a:t>02/09/2021</a:t>
             </a:fld>
             <a:endParaRPr lang="it-IT"/>
           </a:p>
@@ -15278,7 +15278,7 @@
           <a:p>
             <a:fld id="{4CAA9714-E498-4BB1-946F-9B4AA3A4C648}" type="datetimeFigureOut">
               <a:rPr lang="en-GB" smtClean="0"/>
-              <a:t>01/09/2021</a:t>
+              <a:t>02/09/2021</a:t>
             </a:fld>
             <a:endParaRPr lang="en-GB"/>
           </a:p>
@@ -17483,6 +17483,12 @@
               <a:t>Studente: Zheng Maria Yu</a:t>
             </a:r>
           </a:p>
+          <a:p>
+            <a:r>
+              <a:rPr lang="it-IT" dirty="0"/>
+              <a:t>(Gruppo 88)</a:t>
+            </a:r>
+          </a:p>
         </p:txBody>
       </p:sp>
     </p:spTree>
@@ -17624,7 +17630,65 @@
             </a:pPr>
             <a:r>
               <a:rPr lang="it-IT" dirty="0"/>
+              <a:t>I dati dell’utente non possono essere nulli.</a:t>
+            </a:r>
+          </a:p>
+          <a:p>
+            <a:pPr>
+              <a:buFontTx/>
+              <a:buChar char="-"/>
+            </a:pPr>
+            <a:r>
+              <a:rPr lang="it-IT" dirty="0"/>
               <a:t>Non è possibile spostare una categoria in una delle sue sottocategorie.</a:t>
+            </a:r>
+          </a:p>
+          <a:p>
+            <a:pPr>
+              <a:buFontTx/>
+              <a:buChar char="-"/>
+            </a:pPr>
+            <a:r>
+              <a:rPr lang="it-IT" dirty="0"/>
+              <a:t>Dalla Home è possibile effettuare</a:t>
+            </a:r>
+            <a:r>
+              <a:rPr lang="it-IT" dirty="0">
+                <a:solidFill>
+                  <a:schemeClr val="accent4">
+                    <a:lumMod val="75000"/>
+                  </a:schemeClr>
+                </a:solidFill>
+              </a:rPr>
+              <a:t> logout </a:t>
+            </a:r>
+            <a:r>
+              <a:rPr lang="it-IT" dirty="0">
+                <a:solidFill>
+                  <a:srgbClr val="0070C0"/>
+                </a:solidFill>
+              </a:rPr>
+              <a:t>cliccando</a:t>
+            </a:r>
+            <a:r>
+              <a:rPr lang="it-IT" dirty="0"/>
+              <a:t> su </a:t>
+            </a:r>
+            <a:r>
+              <a:rPr lang="es-419" sz="2800" dirty="0">
+                <a:solidFill>
+                  <a:srgbClr val="00B050"/>
+                </a:solidFill>
+                <a:latin typeface="+mn-lt"/>
+                <a:ea typeface="Calibri"/>
+                <a:cs typeface="Calibri"/>
+                <a:sym typeface="Calibri"/>
+              </a:rPr>
+              <a:t>"Logout" </a:t>
+            </a:r>
+            <a:r>
+              <a:rPr lang="it-IT" dirty="0"/>
+              <a:t>, tornando quindi alla pagina di default.</a:t>
             </a:r>
           </a:p>
           <a:p>
@@ -17722,14 +17786,14 @@
           <p:nvPr>
             <p:extLst>
               <p:ext uri="{D42A27DB-BD31-4B8C-83A1-F6EECF244321}">
-                <p14:modId xmlns:p14="http://schemas.microsoft.com/office/powerpoint/2010/main" val="812195699"/>
+                <p14:modId xmlns:p14="http://schemas.microsoft.com/office/powerpoint/2010/main" val="2072389954"/>
               </p:ext>
             </p:extLst>
           </p:nvPr>
         </p:nvGraphicFramePr>
         <p:xfrm>
-          <a:off x="1221919" y="1912982"/>
-          <a:ext cx="9748159" cy="3932646"/>
+          <a:off x="933855" y="1912982"/>
+          <a:ext cx="10419943" cy="4166806"/>
         </p:xfrm>
         <a:graphic>
           <a:graphicData uri="http://schemas.openxmlformats.org/drawingml/2006/table">
@@ -17738,28 +17802,28 @@
                 <a:tableStyleId>{073A0DAA-6AF3-43AB-8588-CEC1D06C72B9}</a:tableStyleId>
               </a:tblPr>
               <a:tblGrid>
-                <a:gridCol w="2034810">
+                <a:gridCol w="2175036">
                   <a:extLst>
                     <a:ext uri="{9D8B030D-6E8A-4147-A177-3AD203B41FA5}">
                       <a16:colId xmlns:a16="http://schemas.microsoft.com/office/drawing/2014/main" val="20000"/>
                     </a:ext>
                   </a:extLst>
                 </a:gridCol>
-                <a:gridCol w="2839269">
+                <a:gridCol w="3034935">
                   <a:extLst>
                     <a:ext uri="{9D8B030D-6E8A-4147-A177-3AD203B41FA5}">
                       <a16:colId xmlns:a16="http://schemas.microsoft.com/office/drawing/2014/main" val="20001"/>
                     </a:ext>
                   </a:extLst>
                 </a:gridCol>
-                <a:gridCol w="2138916">
+                <a:gridCol w="2286318">
                   <a:extLst>
                     <a:ext uri="{9D8B030D-6E8A-4147-A177-3AD203B41FA5}">
                       <a16:colId xmlns:a16="http://schemas.microsoft.com/office/drawing/2014/main" val="20002"/>
                     </a:ext>
                   </a:extLst>
                 </a:gridCol>
-                <a:gridCol w="2735164">
+                <a:gridCol w="2923654">
                   <a:extLst>
                     <a:ext uri="{9D8B030D-6E8A-4147-A177-3AD203B41FA5}">
                       <a16:colId xmlns:a16="http://schemas.microsoft.com/office/drawing/2014/main" val="20003"/>
@@ -17767,7 +17831,7 @@
                   </a:extLst>
                 </a:gridCol>
               </a:tblGrid>
-              <a:tr h="524361">
+              <a:tr h="545912">
                 <a:tc>
                   <a:txBody>
                     <a:bodyPr/>
@@ -17890,7 +17954,7 @@
                   </a:ext>
                 </a:extLst>
               </a:tr>
-              <a:tr h="917622">
+              <a:tr h="955336">
                 <a:tc>
                   <a:txBody>
                     <a:bodyPr/>
@@ -18009,7 +18073,7 @@
                   </a:ext>
                 </a:extLst>
               </a:tr>
-              <a:tr h="2490663">
+              <a:tr h="2665558">
                 <a:tc>
                   <a:txBody>
                     <a:bodyPr/>
@@ -18204,7 +18268,7 @@
                       </a:pPr>
                       <a:r>
                         <a:rPr lang="en-US" sz="1800" dirty="0" err="1"/>
-                        <a:t>Spostare</a:t>
+                        <a:t>Scegliere</a:t>
                       </a:r>
                       <a:r>
                         <a:rPr lang="en-US" sz="1800" dirty="0"/>
@@ -18212,7 +18276,7 @@
                       </a:r>
                       <a:r>
                         <a:rPr lang="en-US" sz="1800" dirty="0" err="1"/>
-                        <a:t>categorie</a:t>
+                        <a:t>categoria</a:t>
                       </a:r>
                       <a:r>
                         <a:rPr lang="en-US" sz="1800" dirty="0"/>
@@ -18220,7 +18284,15 @@
                       </a:r>
                       <a:r>
                         <a:rPr lang="en-US" sz="1800" dirty="0" err="1"/>
-                        <a:t>esistenti</a:t>
+                        <a:t>esistente</a:t>
+                      </a:r>
+                      <a:r>
+                        <a:rPr lang="en-US" sz="1800" dirty="0"/>
+                        <a:t> da </a:t>
+                      </a:r>
+                      <a:r>
+                        <a:rPr lang="en-US" sz="1800" dirty="0" err="1"/>
+                        <a:t>spostare</a:t>
                       </a:r>
                       <a:endParaRPr lang="en-US" sz="1800" dirty="0"/>
                     </a:p>
@@ -18244,7 +18316,23 @@
                       </a:pPr>
                       <a:r>
                         <a:rPr lang="en-US" sz="1800" dirty="0" err="1"/>
-                        <a:t>Creare</a:t>
+                        <a:t>Inviare</a:t>
+                      </a:r>
+                      <a:r>
+                        <a:rPr lang="en-US" sz="1800" dirty="0"/>
+                        <a:t> </a:t>
+                      </a:r>
+                      <a:r>
+                        <a:rPr lang="en-US" sz="1800" dirty="0" err="1"/>
+                        <a:t>informazioni</a:t>
+                      </a:r>
+                      <a:r>
+                        <a:rPr lang="en-US" sz="1800" dirty="0"/>
+                        <a:t> per </a:t>
+                      </a:r>
+                      <a:r>
+                        <a:rPr lang="en-US" sz="1800" dirty="0" err="1"/>
+                        <a:t>creare</a:t>
                       </a:r>
                       <a:r>
                         <a:rPr lang="en-US" sz="1800" dirty="0"/>
@@ -18284,7 +18372,7 @@
                       </a:pPr>
                       <a:r>
                         <a:rPr lang="en-US" sz="1800" dirty="0"/>
-                        <a:t>Logout</a:t>
+                        <a:t>Fare logout</a:t>
                       </a:r>
                       <a:endParaRPr dirty="0"/>
                     </a:p>
@@ -18308,7 +18396,7 @@
                       </a:pPr>
                       <a:r>
                         <a:rPr lang="it-IT" dirty="0"/>
-                        <a:t>Gestione spostamento con </a:t>
+                        <a:t>Spostamento categoria gestito da </a:t>
                       </a:r>
                       <a:r>
                         <a:rPr lang="it-IT" dirty="0" err="1"/>
@@ -18337,7 +18425,7 @@
                       </a:pPr>
                       <a:r>
                         <a:rPr lang="it-IT" dirty="0"/>
-                        <a:t>Gestione creazione categoria a </a:t>
+                        <a:t>Creazione categoria gestita da </a:t>
                       </a:r>
                       <a:r>
                         <a:rPr lang="it-IT" dirty="0" err="1"/>
@@ -18887,7 +18975,7 @@
         </p:nvSpPr>
         <p:spPr>
           <a:xfrm>
-            <a:off x="1050815" y="4506494"/>
+            <a:off x="1279934" y="4502690"/>
             <a:ext cx="3869567" cy="724866"/>
           </a:xfrm>
           <a:prstGeom prst="rect">
@@ -18910,7 +18998,7 @@
               </a:buClr>
             </a:pPr>
             <a:r>
-              <a:rPr lang="es-419" sz="2400" kern="0" dirty="0">
+              <a:rPr lang="es-419" sz="2000" kern="0" dirty="0">
                 <a:solidFill>
                   <a:srgbClr val="000000"/>
                 </a:solidFill>
@@ -18919,9 +19007,9 @@
                 <a:cs typeface="Calibri"/>
                 <a:sym typeface="Calibri"/>
               </a:rPr>
-              <a:t>username e password errate</a:t>
-            </a:r>
-            <a:endParaRPr sz="2400" kern="0" dirty="0">
+              <a:t>errore username / password</a:t>
+            </a:r>
+            <a:endParaRPr sz="2000" kern="0" dirty="0">
               <a:solidFill>
                 <a:srgbClr val="000000"/>
               </a:solidFill>
@@ -19230,7 +19318,7 @@
         </p:nvSpPr>
         <p:spPr>
           <a:xfrm>
-            <a:off x="6365073" y="3252068"/>
+            <a:off x="6325174" y="3191824"/>
             <a:ext cx="2069200" cy="369200"/>
           </a:xfrm>
           <a:prstGeom prst="rect">
@@ -19253,7 +19341,7 @@
               </a:buClr>
             </a:pPr>
             <a:r>
-              <a:rPr lang="es-419" sz="2400" kern="0" dirty="0">
+              <a:rPr lang="es-419" sz="2000" kern="0" dirty="0">
                 <a:solidFill>
                   <a:srgbClr val="000000"/>
                 </a:solidFill>
@@ -19264,7 +19352,7 @@
               </a:rPr>
               <a:t>user -&gt; session</a:t>
             </a:r>
-            <a:endParaRPr sz="2400" kern="0" dirty="0">
+            <a:endParaRPr sz="2000" kern="0" dirty="0">
               <a:solidFill>
                 <a:srgbClr val="000000"/>
               </a:solidFill>
@@ -28181,12 +28269,12 @@
           <a:lstStyle/>
           <a:p>
             <a:r>
-              <a:rPr lang="it-IT" dirty="0"/>
-              <a:t>Progetto 3: </a:t>
-            </a:r>
-            <a:r>
               <a:rPr lang="it-IT" b="1" dirty="0"/>
-              <a:t>Catalogazione di immagini</a:t>
+              <a:t>Catalogazione di immagini  </a:t>
+            </a:r>
+            <a:r>
+              <a:rPr lang="it-IT" sz="3200" dirty="0"/>
+              <a:t>– Versione HTML pura</a:t>
             </a:r>
           </a:p>
         </p:txBody>
@@ -28519,7 +28607,7 @@
                 <a:cs typeface="Calibri"/>
                 <a:sym typeface="Calibri"/>
               </a:rPr>
-              <a:t>doPOST</a:t>
+              <a:t>doGET</a:t>
             </a:r>
             <a:endParaRPr sz="2400" kern="0" dirty="0">
               <a:solidFill>
@@ -28631,7 +28719,19 @@
                 <a:cs typeface="Calibri"/>
                 <a:sym typeface="Calibri"/>
               </a:rPr>
-              <a:t>session</a:t>
+              <a:t>s</a:t>
+            </a:r>
+            <a:r>
+              <a:rPr lang="es-419" sz="1867" kern="0">
+                <a:solidFill>
+                  <a:srgbClr val="000000"/>
+                </a:solidFill>
+                <a:latin typeface="Calibri"/>
+                <a:ea typeface="Calibri"/>
+                <a:cs typeface="Calibri"/>
+                <a:sym typeface="Calibri"/>
+              </a:rPr>
+              <a:t>ession</a:t>
             </a:r>
             <a:endParaRPr sz="1867" kern="0" dirty="0">
               <a:solidFill>
@@ -28990,7 +29090,7 @@
                 <a:cs typeface="Calibri"/>
                 <a:sym typeface="Calibri"/>
               </a:rPr>
-              <a:t>POST</a:t>
+              <a:t>GET</a:t>
             </a:r>
             <a:endParaRPr kern="0" dirty="0">
               <a:solidFill>
@@ -30033,8 +30133,8 @@
         </p:nvSpPr>
         <p:spPr>
           <a:xfrm>
-            <a:off x="6731226" y="2402630"/>
-            <a:ext cx="734560" cy="307777"/>
+            <a:off x="7144171" y="2411441"/>
+            <a:ext cx="809389" cy="338554"/>
           </a:xfrm>
           <a:prstGeom prst="rect">
             <a:avLst/>
@@ -30048,7 +30148,7 @@
           <a:lstStyle/>
           <a:p>
             <a:r>
-              <a:rPr lang="en-GB" sz="1400" dirty="0" err="1">
+              <a:rPr lang="en-GB" sz="1600" dirty="0" err="1">
                 <a:solidFill>
                   <a:prstClr val="black"/>
                 </a:solidFill>
@@ -30056,7 +30156,7 @@
               </a:rPr>
               <a:t>subcats</a:t>
             </a:r>
-            <a:endParaRPr lang="en-GB" sz="1400" dirty="0">
+            <a:endParaRPr lang="en-GB" sz="1600" dirty="0">
               <a:solidFill>
                 <a:prstClr val="black"/>
               </a:solidFill>
@@ -30137,8 +30237,8 @@
         </p:nvSpPr>
         <p:spPr>
           <a:xfrm>
-            <a:off x="9042987" y="2324765"/>
-            <a:ext cx="1068300" cy="394800"/>
+            <a:off x="9042987" y="2204609"/>
+            <a:ext cx="1068300" cy="514956"/>
           </a:xfrm>
           <a:prstGeom prst="rect">
             <a:avLst/>

--- a/Documents/ImgCatalog.pptx
+++ b/Documents/ImgCatalog.pptx
@@ -14,7 +14,7 @@
     <p:sldId id="257" r:id="rId5"/>
     <p:sldId id="267" r:id="rId6"/>
     <p:sldId id="276" r:id="rId7"/>
-    <p:sldId id="258" r:id="rId8"/>
+    <p:sldId id="317" r:id="rId8"/>
     <p:sldId id="269" r:id="rId9"/>
     <p:sldId id="271" r:id="rId10"/>
     <p:sldId id="277" r:id="rId11"/>
@@ -29864,7 +29864,7 @@
         <p:spPr>
           <a:xfrm>
             <a:off x="6274526" y="4142121"/>
-            <a:ext cx="513282" cy="369332"/>
+            <a:ext cx="481222" cy="369332"/>
           </a:xfrm>
           <a:prstGeom prst="rect">
             <a:avLst/>
@@ -29884,7 +29884,7 @@
                 </a:solidFill>
                 <a:latin typeface="Calibri" panose="020F0502020204030204"/>
               </a:rPr>
-              <a:t>0:N</a:t>
+              <a:t>0:9</a:t>
             </a:r>
           </a:p>
         </p:txBody>
@@ -29975,7 +29975,7 @@
         </p:nvSpPr>
         <p:spPr>
           <a:xfrm>
-            <a:off x="4371478" y="2615025"/>
+            <a:off x="3424413" y="2634057"/>
             <a:ext cx="721672" cy="307777"/>
           </a:xfrm>
           <a:prstGeom prst="rect">
@@ -30009,8 +30009,8 @@
         </p:nvSpPr>
         <p:spPr>
           <a:xfrm>
-            <a:off x="3470862" y="2979756"/>
-            <a:ext cx="513282" cy="369332"/>
+            <a:off x="3544638" y="2941834"/>
+            <a:ext cx="481222" cy="369332"/>
           </a:xfrm>
           <a:prstGeom prst="rect">
             <a:avLst/>
@@ -30030,7 +30030,7 @@
                 </a:solidFill>
                 <a:latin typeface="Calibri" panose="020F0502020204030204"/>
               </a:rPr>
-              <a:t>0:N</a:t>
+              <a:t>0:1</a:t>
             </a:r>
           </a:p>
         </p:txBody>
@@ -30173,8 +30173,8 @@
         </p:nvSpPr>
         <p:spPr>
           <a:xfrm>
-            <a:off x="4643134" y="5823447"/>
-            <a:ext cx="2905732" cy="461665"/>
+            <a:off x="2109877" y="5616769"/>
+            <a:ext cx="8696420" cy="830997"/>
           </a:xfrm>
           <a:prstGeom prst="rect">
             <a:avLst/>
@@ -30187,6 +30187,15 @@
           </a:bodyPr>
           <a:lstStyle/>
           <a:p>
+            <a:r>
+              <a:rPr lang="en-GB" sz="2400" dirty="0" err="1">
+                <a:solidFill>
+                  <a:prstClr val="black"/>
+                </a:solidFill>
+                <a:latin typeface="Calibri" panose="020F0502020204030204"/>
+              </a:rPr>
+              <a:t>Ogni</a:t>
+            </a:r>
             <a:r>
               <a:rPr lang="en-GB" sz="2400" dirty="0">
                 <a:solidFill>
@@ -30194,7 +30203,7 @@
                 </a:solidFill>
                 <a:latin typeface="Calibri" panose="020F0502020204030204"/>
               </a:rPr>
-              <a:t>Caso di </a:t>
+              <a:t> </a:t>
             </a:r>
             <a:r>
               <a:rPr lang="en-GB" sz="2400" dirty="0" err="1">
@@ -30203,7 +30212,7 @@
                 </a:solidFill>
                 <a:latin typeface="Calibri" panose="020F0502020204030204"/>
               </a:rPr>
-              <a:t>relazione</a:t>
+              <a:t>categoria</a:t>
             </a:r>
             <a:r>
               <a:rPr lang="en-GB" sz="2400" dirty="0">
@@ -30212,7 +30221,198 @@
                 </a:solidFill>
                 <a:latin typeface="Calibri" panose="020F0502020204030204"/>
               </a:rPr>
-              <a:t> N:M</a:t>
+              <a:t> </a:t>
+            </a:r>
+            <a:r>
+              <a:rPr lang="en-GB" sz="2400" dirty="0" err="1">
+                <a:solidFill>
+                  <a:prstClr val="black"/>
+                </a:solidFill>
+                <a:latin typeface="Calibri" panose="020F0502020204030204"/>
+              </a:rPr>
+              <a:t>può</a:t>
+            </a:r>
+            <a:r>
+              <a:rPr lang="en-GB" sz="2400" dirty="0">
+                <a:solidFill>
+                  <a:prstClr val="black"/>
+                </a:solidFill>
+                <a:latin typeface="Calibri" panose="020F0502020204030204"/>
+              </a:rPr>
+              <a:t> </a:t>
+            </a:r>
+            <a:r>
+              <a:rPr lang="en-GB" sz="2400" dirty="0" err="1">
+                <a:solidFill>
+                  <a:prstClr val="black"/>
+                </a:solidFill>
+                <a:latin typeface="Calibri" panose="020F0502020204030204"/>
+              </a:rPr>
+              <a:t>avere</a:t>
+            </a:r>
+            <a:r>
+              <a:rPr lang="en-GB" sz="2400" dirty="0">
+                <a:solidFill>
+                  <a:prstClr val="black"/>
+                </a:solidFill>
+                <a:latin typeface="Calibri" panose="020F0502020204030204"/>
+              </a:rPr>
+              <a:t> al </a:t>
+            </a:r>
+            <a:r>
+              <a:rPr lang="en-GB" sz="2400" dirty="0" err="1">
+                <a:solidFill>
+                  <a:prstClr val="black"/>
+                </a:solidFill>
+                <a:latin typeface="Calibri" panose="020F0502020204030204"/>
+              </a:rPr>
+              <a:t>massimo</a:t>
+            </a:r>
+            <a:r>
+              <a:rPr lang="en-GB" sz="2400" dirty="0">
+                <a:solidFill>
+                  <a:prstClr val="black"/>
+                </a:solidFill>
+                <a:latin typeface="Calibri" panose="020F0502020204030204"/>
+              </a:rPr>
+              <a:t> 9 </a:t>
+            </a:r>
+            <a:r>
+              <a:rPr lang="en-GB" sz="2400" dirty="0" err="1">
+                <a:solidFill>
+                  <a:prstClr val="black"/>
+                </a:solidFill>
+                <a:latin typeface="Calibri" panose="020F0502020204030204"/>
+              </a:rPr>
+              <a:t>categorie</a:t>
+            </a:r>
+            <a:r>
+              <a:rPr lang="en-GB" sz="2400" dirty="0">
+                <a:solidFill>
+                  <a:prstClr val="black"/>
+                </a:solidFill>
+                <a:latin typeface="Calibri" panose="020F0502020204030204"/>
+              </a:rPr>
+              <a:t> </a:t>
+            </a:r>
+            <a:r>
+              <a:rPr lang="en-GB" sz="2400" dirty="0" err="1">
+                <a:solidFill>
+                  <a:prstClr val="black"/>
+                </a:solidFill>
+                <a:latin typeface="Calibri" panose="020F0502020204030204"/>
+              </a:rPr>
+              <a:t>figlie</a:t>
+            </a:r>
+            <a:r>
+              <a:rPr lang="en-GB" sz="2400" dirty="0">
+                <a:solidFill>
+                  <a:prstClr val="black"/>
+                </a:solidFill>
+                <a:latin typeface="Calibri" panose="020F0502020204030204"/>
+              </a:rPr>
+              <a:t>,</a:t>
+            </a:r>
+          </a:p>
+          <a:p>
+            <a:r>
+              <a:rPr lang="en-GB" sz="2400" dirty="0">
+                <a:solidFill>
+                  <a:prstClr val="black"/>
+                </a:solidFill>
+                <a:latin typeface="Calibri" panose="020F0502020204030204"/>
+              </a:rPr>
+              <a:t>ed è </a:t>
+            </a:r>
+            <a:r>
+              <a:rPr lang="en-GB" sz="2400" dirty="0" err="1">
+                <a:solidFill>
+                  <a:prstClr val="black"/>
+                </a:solidFill>
+                <a:latin typeface="Calibri" panose="020F0502020204030204"/>
+              </a:rPr>
+              <a:t>figlio</a:t>
+            </a:r>
+            <a:r>
+              <a:rPr lang="en-GB" sz="2400" dirty="0">
+                <a:solidFill>
+                  <a:prstClr val="black"/>
+                </a:solidFill>
+                <a:latin typeface="Calibri" panose="020F0502020204030204"/>
+              </a:rPr>
+              <a:t> di una </a:t>
+            </a:r>
+            <a:r>
+              <a:rPr lang="en-GB" sz="2400" dirty="0" err="1">
+                <a:solidFill>
+                  <a:prstClr val="black"/>
+                </a:solidFill>
+                <a:latin typeface="Calibri" panose="020F0502020204030204"/>
+              </a:rPr>
+              <a:t>categoria</a:t>
+            </a:r>
+            <a:r>
+              <a:rPr lang="en-GB" sz="2400" dirty="0">
+                <a:solidFill>
+                  <a:prstClr val="black"/>
+                </a:solidFill>
+                <a:latin typeface="Calibri" panose="020F0502020204030204"/>
+              </a:rPr>
+              <a:t> (</a:t>
+            </a:r>
+            <a:r>
+              <a:rPr lang="en-GB" sz="2400" dirty="0" err="1">
+                <a:solidFill>
+                  <a:prstClr val="black"/>
+                </a:solidFill>
+                <a:latin typeface="Calibri" panose="020F0502020204030204"/>
+              </a:rPr>
+              <a:t>tranne</a:t>
+            </a:r>
+            <a:r>
+              <a:rPr lang="en-GB" sz="2400" dirty="0">
+                <a:solidFill>
+                  <a:prstClr val="black"/>
+                </a:solidFill>
+                <a:latin typeface="Calibri" panose="020F0502020204030204"/>
+              </a:rPr>
+              <a:t> root </a:t>
+            </a:r>
+            <a:r>
+              <a:rPr lang="en-GB" sz="2400" dirty="0" err="1">
+                <a:solidFill>
+                  <a:prstClr val="black"/>
+                </a:solidFill>
+                <a:latin typeface="Calibri" panose="020F0502020204030204"/>
+              </a:rPr>
+              <a:t>che</a:t>
+            </a:r>
+            <a:r>
+              <a:rPr lang="en-GB" sz="2400" dirty="0">
+                <a:solidFill>
+                  <a:prstClr val="black"/>
+                </a:solidFill>
+                <a:latin typeface="Calibri" panose="020F0502020204030204"/>
+              </a:rPr>
+              <a:t> non ha </a:t>
+            </a:r>
+            <a:r>
+              <a:rPr lang="en-GB" sz="2400" dirty="0" err="1">
+                <a:solidFill>
+                  <a:prstClr val="black"/>
+                </a:solidFill>
+                <a:latin typeface="Calibri" panose="020F0502020204030204"/>
+              </a:rPr>
+              <a:t>categoria</a:t>
+            </a:r>
+            <a:r>
+              <a:rPr lang="en-GB" sz="2400" dirty="0">
+                <a:solidFill>
+                  <a:prstClr val="black"/>
+                </a:solidFill>
+                <a:latin typeface="Calibri" panose="020F0502020204030204"/>
+              </a:rPr>
+              <a:t> padre).</a:t>
             </a:r>
             <a:endParaRPr lang="en-GB" sz="2400" dirty="0">
               <a:solidFill>
@@ -30937,7 +31137,7 @@
     </p:spTree>
     <p:extLst>
       <p:ext uri="{BB962C8B-B14F-4D97-AF65-F5344CB8AC3E}">
-        <p14:creationId xmlns:p14="http://schemas.microsoft.com/office/powerpoint/2010/main" val="235916922"/>
+        <p14:creationId xmlns:p14="http://schemas.microsoft.com/office/powerpoint/2010/main" val="3577388987"/>
       </p:ext>
     </p:extLst>
   </p:cSld>
